--- a/GAME OF CODES.pptx
+++ b/GAME OF CODES.pptx
@@ -9564,7 +9564,27 @@
           <a:bodyPr/>
           <a:lstStyle/>
           <a:p>
-            <a:endParaRPr lang="en-IN"/>
+            <a:pPr marL="0" indent="0">
+              <a:buNone/>
+            </a:pPr>
+            <a:r>
+              <a:rPr lang="en-US" dirty="0" err="1"/>
+              <a:t>Codeforces</a:t>
+            </a:r>
+            <a:r>
+              <a:rPr lang="en-US" dirty="0"/>
+              <a:t> has been a great platform for competitive programming lovers but usually people loose interest in solving those great problems due to fall in their rating,  and people get confused what problems to do in this great ocean. We faced the same problem too and thus found a simple yet elegant solution: Making personalized contests and identifying weak, strong topics.</a:t>
+            </a:r>
+          </a:p>
+          <a:p>
+            <a:pPr marL="0" indent="0">
+              <a:buNone/>
+            </a:pPr>
+            <a:r>
+              <a:rPr lang="en-US" dirty="0"/>
+              <a:t>This way students can easily do contests and thus can practice easily. This was the motivation behind this project.</a:t>
+            </a:r>
+            <a:endParaRPr lang="en-IN" dirty="0"/>
           </a:p>
         </p:txBody>
       </p:sp>
@@ -9749,7 +9769,28 @@
           <a:bodyPr/>
           <a:lstStyle/>
           <a:p>
-            <a:endParaRPr lang="en-IN"/>
+            <a:r>
+              <a:rPr lang="en-US" dirty="0"/>
+              <a:t>Analyzing User’s Performance: We fetch user’s past performance through API’s and then analyze it to predict user’s weak and strong topics and give him problems for the same.</a:t>
+            </a:r>
+          </a:p>
+          <a:p>
+            <a:r>
+              <a:rPr lang="en-US" dirty="0"/>
+              <a:t>Comparing and viewing Profiles: User can also compare themselves with other coders and can learn from them and see where they lack.</a:t>
+            </a:r>
+          </a:p>
+          <a:p>
+            <a:r>
+              <a:rPr lang="en-US" dirty="0"/>
+              <a:t>Visualizers: Users can also learn various sorting algorithms and path finding algorithms in a very fun way</a:t>
+            </a:r>
+          </a:p>
+          <a:p>
+            <a:r>
+              <a:rPr lang="en-US" dirty="0"/>
+              <a:t>One v One Coding Fights: Users can Also do one v one coding fights with friends.</a:t>
+            </a:r>
           </a:p>
         </p:txBody>
       </p:sp>
@@ -9837,7 +9878,23 @@
           <a:bodyPr/>
           <a:lstStyle/>
           <a:p>
-            <a:endParaRPr lang="en-IN"/>
+            <a:r>
+              <a:rPr lang="en-US" dirty="0"/>
+              <a:t>Training Zones: Users can also train themselves topic wise or level wise.</a:t>
+            </a:r>
+          </a:p>
+          <a:p>
+            <a:r>
+              <a:rPr lang="en-US" dirty="0"/>
+              <a:t>Bookmarking: Users can bookmark the questions which seem great to them for future reference.</a:t>
+            </a:r>
+          </a:p>
+          <a:p>
+            <a:r>
+              <a:rPr lang="en-US" dirty="0"/>
+              <a:t>Targets: Users can track their consistency by setting targets for each day.</a:t>
+            </a:r>
+            <a:endParaRPr lang="en-IN" dirty="0"/>
           </a:p>
         </p:txBody>
       </p:sp>
@@ -9922,10 +9979,95 @@
         </p:nvSpPr>
         <p:spPr/>
         <p:txBody>
-          <a:bodyPr/>
+          <a:bodyPr>
+            <a:normAutofit lnSpcReduction="10000"/>
+          </a:bodyPr>
           <a:lstStyle/>
           <a:p>
-            <a:endParaRPr lang="en-IN"/>
+            <a:pPr marL="0" indent="0">
+              <a:buNone/>
+            </a:pPr>
+            <a:r>
+              <a:rPr lang="en-US" dirty="0"/>
+              <a:t>Here is the whole tech stack we used :</a:t>
+            </a:r>
+          </a:p>
+          <a:p>
+            <a:pPr>
+              <a:buFont typeface="Wingdings" panose="05000000000000000000" pitchFamily="2" charset="2"/>
+              <a:buChar char="v"/>
+            </a:pPr>
+            <a:r>
+              <a:rPr lang="en-US" dirty="0"/>
+              <a:t> HTML</a:t>
+            </a:r>
+          </a:p>
+          <a:p>
+            <a:pPr>
+              <a:buFont typeface="Wingdings" panose="05000000000000000000" pitchFamily="2" charset="2"/>
+              <a:buChar char="v"/>
+            </a:pPr>
+            <a:r>
+              <a:rPr lang="en-US" dirty="0"/>
+              <a:t> CSS</a:t>
+            </a:r>
+          </a:p>
+          <a:p>
+            <a:pPr>
+              <a:buFont typeface="Wingdings" panose="05000000000000000000" pitchFamily="2" charset="2"/>
+              <a:buChar char="v"/>
+            </a:pPr>
+            <a:r>
+              <a:rPr lang="en-US" dirty="0"/>
+              <a:t> JAVASCRIPT</a:t>
+            </a:r>
+          </a:p>
+          <a:p>
+            <a:pPr>
+              <a:buFont typeface="Wingdings" panose="05000000000000000000" pitchFamily="2" charset="2"/>
+              <a:buChar char="v"/>
+            </a:pPr>
+            <a:r>
+              <a:rPr lang="en-US" dirty="0"/>
+              <a:t> NODEJS</a:t>
+            </a:r>
+          </a:p>
+          <a:p>
+            <a:pPr>
+              <a:buFont typeface="Wingdings" panose="05000000000000000000" pitchFamily="2" charset="2"/>
+              <a:buChar char="v"/>
+            </a:pPr>
+            <a:r>
+              <a:rPr lang="en-IN" dirty="0"/>
+              <a:t>SOCKETIO</a:t>
+            </a:r>
+          </a:p>
+          <a:p>
+            <a:pPr>
+              <a:buFont typeface="Wingdings" panose="05000000000000000000" pitchFamily="2" charset="2"/>
+              <a:buChar char="v"/>
+            </a:pPr>
+            <a:r>
+              <a:rPr lang="en-IN" dirty="0"/>
+              <a:t>FIREBASE</a:t>
+            </a:r>
+          </a:p>
+          <a:p>
+            <a:pPr>
+              <a:buFont typeface="Wingdings" panose="05000000000000000000" pitchFamily="2" charset="2"/>
+              <a:buChar char="v"/>
+            </a:pPr>
+            <a:r>
+              <a:rPr lang="en-IN" dirty="0"/>
+              <a:t>GIT AND GITHUB</a:t>
+            </a:r>
+          </a:p>
+          <a:p>
+            <a:pPr>
+              <a:buFont typeface="Wingdings" panose="05000000000000000000" pitchFamily="2" charset="2"/>
+              <a:buChar char="v"/>
+            </a:pPr>
+            <a:endParaRPr lang="en-IN" dirty="0"/>
           </a:p>
         </p:txBody>
       </p:sp>
@@ -10008,15 +10150,74 @@
             <p:ph idx="1"/>
           </p:nvPr>
         </p:nvSpPr>
-        <p:spPr/>
+        <p:spPr>
+          <a:xfrm>
+            <a:off x="913795" y="1326321"/>
+            <a:ext cx="6372830" cy="4464879"/>
+          </a:xfrm>
+        </p:spPr>
         <p:txBody>
           <a:bodyPr/>
           <a:lstStyle/>
           <a:p>
-            <a:endParaRPr lang="en-IN"/>
-          </a:p>
-        </p:txBody>
-      </p:sp>
+            <a:pPr marL="0" indent="0">
+              <a:buNone/>
+            </a:pPr>
+            <a:r>
+              <a:rPr lang="en-US" dirty="0"/>
+              <a:t>We have 1k+ users registered and a daily active user strength of 100+ users. </a:t>
+            </a:r>
+          </a:p>
+          <a:p>
+            <a:pPr marL="0" indent="0">
+              <a:buNone/>
+            </a:pPr>
+            <a:r>
+              <a:rPr lang="en-US" dirty="0"/>
+              <a:t>Most users are from INDIA and USA. </a:t>
+            </a:r>
+          </a:p>
+          <a:p>
+            <a:pPr marL="0" indent="0">
+              <a:buNone/>
+            </a:pPr>
+            <a:r>
+              <a:rPr lang="en-US" dirty="0"/>
+              <a:t>We are expecting to reach 3k+ users by the end of the year.</a:t>
+            </a:r>
+          </a:p>
+        </p:txBody>
+      </p:sp>
+      <p:pic>
+        <p:nvPicPr>
+          <p:cNvPr id="3" name="Picture 2">
+            <a:extLst>
+              <a:ext uri="{FF2B5EF4-FFF2-40B4-BE49-F238E27FC236}">
+                <a16:creationId xmlns:a16="http://schemas.microsoft.com/office/drawing/2014/main" id="{D3E9175D-36E2-4ECC-8D93-304B0ED8FC52}"/>
+              </a:ext>
+            </a:extLst>
+          </p:cNvPr>
+          <p:cNvPicPr>
+            <a:picLocks noChangeAspect="1"/>
+          </p:cNvPicPr>
+          <p:nvPr/>
+        </p:nvPicPr>
+        <p:blipFill>
+          <a:blip r:embed="rId2"/>
+          <a:stretch>
+            <a:fillRect/>
+          </a:stretch>
+        </p:blipFill>
+        <p:spPr>
+          <a:xfrm>
+            <a:off x="7553324" y="1226321"/>
+            <a:ext cx="4333875" cy="2869886"/>
+          </a:xfrm>
+          <a:prstGeom prst="rect">
+            <a:avLst/>
+          </a:prstGeom>
+        </p:spPr>
+      </p:pic>
     </p:spTree>
     <p:extLst>
       <p:ext uri="{BB962C8B-B14F-4D97-AF65-F5344CB8AC3E}">
@@ -10065,7 +10266,7 @@
         </p:nvSpPr>
         <p:spPr>
           <a:xfrm>
-            <a:off x="913795" y="0"/>
+            <a:off x="857769" y="179193"/>
             <a:ext cx="10353761" cy="1326321"/>
           </a:xfrm>
         </p:spPr>
@@ -10096,12 +10297,44 @@
             <p:ph idx="1"/>
           </p:nvPr>
         </p:nvSpPr>
-        <p:spPr/>
+        <p:spPr>
+          <a:xfrm>
+            <a:off x="980470" y="1505513"/>
+            <a:ext cx="10353762" cy="4695261"/>
+          </a:xfrm>
+        </p:spPr>
         <p:txBody>
           <a:bodyPr/>
           <a:lstStyle/>
           <a:p>
-            <a:endParaRPr lang="en-IN"/>
+            <a:pPr marL="0" indent="0">
+              <a:buNone/>
+            </a:pPr>
+            <a:r>
+              <a:rPr lang="en-US" dirty="0"/>
+              <a:t>We are heading to add much more features which already are being implemented. These include:</a:t>
+            </a:r>
+          </a:p>
+          <a:p>
+            <a:r>
+              <a:rPr lang="en-US" dirty="0"/>
+              <a:t>Roadmap to Competitive Programming: We are making a game for competitive programming lovers which will be a series of blogs and contest in a very </a:t>
+            </a:r>
+            <a:r>
+              <a:rPr lang="en-US" dirty="0" err="1"/>
+              <a:t>very</a:t>
+            </a:r>
+            <a:r>
+              <a:rPr lang="en-US" dirty="0"/>
+              <a:t> competitive mode.</a:t>
+            </a:r>
+          </a:p>
+          <a:p>
+            <a:r>
+              <a:rPr lang="en-US" dirty="0"/>
+              <a:t>Contest Analysis: We are looking forward to add Contest Analysis after each contest through which user can more efficiently look their mistakes.</a:t>
+            </a:r>
+            <a:endParaRPr lang="en-IN" dirty="0"/>
           </a:p>
         </p:txBody>
       </p:sp>
@@ -10189,7 +10422,119 @@
           <a:bodyPr/>
           <a:lstStyle/>
           <a:p>
-            <a:endParaRPr lang="en-IN"/>
+            <a:pPr marL="0" indent="0">
+              <a:buNone/>
+            </a:pPr>
+            <a:r>
+              <a:rPr lang="en-US" dirty="0"/>
+              <a:t>We would like to thank DTU for giving us an opportunity to showcase our work, </a:t>
+            </a:r>
+            <a:r>
+              <a:rPr lang="en-US" dirty="0" err="1"/>
+              <a:t>codeforces</a:t>
+            </a:r>
+            <a:r>
+              <a:rPr lang="en-US" dirty="0"/>
+              <a:t> for providing us with APIs and a great platform for CP lovers, </a:t>
+            </a:r>
+            <a:r>
+              <a:rPr lang="en-US" dirty="0" err="1"/>
+              <a:t>NodeJs</a:t>
+            </a:r>
+            <a:r>
+              <a:rPr lang="en-US" dirty="0"/>
+              <a:t>, </a:t>
+            </a:r>
+            <a:r>
+              <a:rPr lang="en-US" dirty="0" err="1"/>
+              <a:t>SocketIO</a:t>
+            </a:r>
+            <a:r>
+              <a:rPr lang="en-US" dirty="0"/>
+              <a:t>, and </a:t>
+            </a:r>
+            <a:r>
+              <a:rPr lang="en-US" dirty="0" err="1"/>
+              <a:t>FireBase</a:t>
+            </a:r>
+            <a:r>
+              <a:rPr lang="en-US" dirty="0"/>
+              <a:t> (open source </a:t>
+            </a:r>
+            <a:r>
+              <a:rPr lang="en-US" dirty="0" err="1"/>
+              <a:t>softwares</a:t>
+            </a:r>
+            <a:r>
+              <a:rPr lang="en-US" dirty="0"/>
+              <a:t> we used). </a:t>
+            </a:r>
+          </a:p>
+          <a:p>
+            <a:pPr marL="0" indent="0">
+              <a:buNone/>
+            </a:pPr>
+            <a:r>
+              <a:rPr lang="en-US" dirty="0">
+                <a:hlinkClick r:id="rId2"/>
+              </a:rPr>
+              <a:t>https://codeforces.com/</a:t>
+            </a:r>
+            <a:endParaRPr lang="en-US" dirty="0"/>
+          </a:p>
+          <a:p>
+            <a:pPr marL="0" indent="0">
+              <a:buNone/>
+            </a:pPr>
+            <a:r>
+              <a:rPr lang="en-IN" dirty="0">
+                <a:hlinkClick r:id="rId3"/>
+              </a:rPr>
+              <a:t>https://nodejs.org/en/</a:t>
+            </a:r>
+            <a:endParaRPr lang="en-IN" dirty="0"/>
+          </a:p>
+          <a:p>
+            <a:pPr marL="0" indent="0">
+              <a:buNone/>
+            </a:pPr>
+            <a:r>
+              <a:rPr lang="en-IN" dirty="0">
+                <a:hlinkClick r:id="rId4"/>
+              </a:rPr>
+              <a:t>https://socket.io/</a:t>
+            </a:r>
+            <a:endParaRPr lang="en-IN" dirty="0"/>
+          </a:p>
+          <a:p>
+            <a:pPr marL="0" indent="0">
+              <a:buNone/>
+            </a:pPr>
+            <a:r>
+              <a:rPr lang="en-IN" dirty="0">
+                <a:hlinkClick r:id="rId5"/>
+              </a:rPr>
+              <a:t>https://firebase.google.com/</a:t>
+            </a:r>
+            <a:endParaRPr lang="en-IN" dirty="0"/>
+          </a:p>
+          <a:p>
+            <a:pPr marL="0" indent="0">
+              <a:buNone/>
+            </a:pPr>
+            <a:endParaRPr lang="en-IN" dirty="0"/>
+          </a:p>
+          <a:p>
+            <a:pPr marL="0" indent="0">
+              <a:buNone/>
+            </a:pPr>
+            <a:endParaRPr lang="en-IN" dirty="0"/>
+          </a:p>
+          <a:p>
+            <a:pPr marL="0" indent="0">
+              <a:buNone/>
+            </a:pPr>
+            <a:endParaRPr lang="en-IN" dirty="0"/>
           </a:p>
         </p:txBody>
       </p:sp>
@@ -10463,24 +10808,6 @@
 </file>
 
 <file path=customXml/item1.xml><?xml version="1.0" encoding="utf-8"?>
-<p:properties xmlns:p="http://schemas.microsoft.com/office/2006/metadata/properties" xmlns:xsi="http://www.w3.org/2001/XMLSchema-instance" xmlns:pc="http://schemas.microsoft.com/office/infopath/2007/PartnerControls">
-  <documentManagement>
-    <Status xmlns="71af3243-3dd4-4a8d-8c0d-dd76da1f02a5">Not started</Status>
-    <MediaServiceKeyPoints xmlns="71af3243-3dd4-4a8d-8c0d-dd76da1f02a5" xsi:nil="true"/>
-  </documentManagement>
-</p:properties>
-</file>
-
-<file path=customXml/item2.xml><?xml version="1.0" encoding="utf-8"?>
-<?mso-contentType ?>
-<FormTemplates xmlns="http://schemas.microsoft.com/sharepoint/v3/contenttype/forms">
-  <Display>DocumentLibraryForm</Display>
-  <Edit>DocumentLibraryForm</Edit>
-  <New>DocumentLibraryForm</New>
-</FormTemplates>
-</file>
-
-<file path=customXml/item3.xml><?xml version="1.0" encoding="utf-8"?>
 <ct:contentTypeSchema xmlns:ct="http://schemas.microsoft.com/office/2006/metadata/contentType" xmlns:ma="http://schemas.microsoft.com/office/2006/metadata/properties/metaAttributes" ct:_="" ma:_="" ma:contentTypeName="Document" ma:contentTypeID="0x01010079F111ED35F8CC479449609E8A0923A6" ma:contentTypeVersion="12" ma:contentTypeDescription="Create a new document." ma:contentTypeScope="" ma:versionID="a410dd7f93c95333ffa1b60ed6adedd1">
   <xsd:schema xmlns:xsd="http://www.w3.org/2001/XMLSchema" xmlns:xs="http://www.w3.org/2001/XMLSchema" xmlns:p="http://schemas.microsoft.com/office/2006/metadata/properties" xmlns:ns2="71af3243-3dd4-4a8d-8c0d-dd76da1f02a5" xmlns:ns3="16c05727-aa75-4e4a-9b5f-8a80a1165891" targetNamespace="http://schemas.microsoft.com/office/2006/metadata/properties" ma:root="true" ma:fieldsID="a936d9baba76aa3866493feff160faab" ns2:_="" ns3:_="">
     <xsd:import namespace="71af3243-3dd4-4a8d-8c0d-dd76da1f02a5"/>
@@ -10701,25 +11028,25 @@
 </ct:contentTypeSchema>
 </file>
 
-<file path=customXml/itemProps1.xml><?xml version="1.0" encoding="utf-8"?>
-<ds:datastoreItem xmlns:ds="http://schemas.openxmlformats.org/officeDocument/2006/customXml" ds:itemID="{8D289AE2-D2AE-49D1-AFAC-3A79F6794255}">
-  <ds:schemaRefs>
-    <ds:schemaRef ds:uri="http://schemas.microsoft.com/office/2006/metadata/properties"/>
-    <ds:schemaRef ds:uri="http://schemas.microsoft.com/office/infopath/2007/PartnerControls"/>
-    <ds:schemaRef ds:uri="71af3243-3dd4-4a8d-8c0d-dd76da1f02a5"/>
-  </ds:schemaRefs>
-</ds:datastoreItem>
+<file path=customXml/item2.xml><?xml version="1.0" encoding="utf-8"?>
+<?mso-contentType ?>
+<FormTemplates xmlns="http://schemas.microsoft.com/sharepoint/v3/contenttype/forms">
+  <Display>DocumentLibraryForm</Display>
+  <Edit>DocumentLibraryForm</Edit>
+  <New>DocumentLibraryForm</New>
+</FormTemplates>
 </file>
 
-<file path=customXml/itemProps2.xml><?xml version="1.0" encoding="utf-8"?>
-<ds:datastoreItem xmlns:ds="http://schemas.openxmlformats.org/officeDocument/2006/customXml" ds:itemID="{927BD4C1-B6B1-4715-ABF9-E660A51A4EA0}">
-  <ds:schemaRefs>
-    <ds:schemaRef ds:uri="http://schemas.microsoft.com/sharepoint/v3/contenttype/forms"/>
-  </ds:schemaRefs>
-</ds:datastoreItem>
+<file path=customXml/item3.xml><?xml version="1.0" encoding="utf-8"?>
+<p:properties xmlns:p="http://schemas.microsoft.com/office/2006/metadata/properties" xmlns:xsi="http://www.w3.org/2001/XMLSchema-instance" xmlns:pc="http://schemas.microsoft.com/office/infopath/2007/PartnerControls">
+  <documentManagement>
+    <Status xmlns="71af3243-3dd4-4a8d-8c0d-dd76da1f02a5">Not started</Status>
+    <MediaServiceKeyPoints xmlns="71af3243-3dd4-4a8d-8c0d-dd76da1f02a5" xsi:nil="true"/>
+  </documentManagement>
+</p:properties>
 </file>
 
-<file path=customXml/itemProps3.xml><?xml version="1.0" encoding="utf-8"?>
+<file path=customXml/itemProps1.xml><?xml version="1.0" encoding="utf-8"?>
 <ds:datastoreItem xmlns:ds="http://schemas.openxmlformats.org/officeDocument/2006/customXml" ds:itemID="{41E7CA09-9778-4414-AE97-8064B12DA30E}">
   <ds:schemaRefs>
     <ds:schemaRef ds:uri="http://schemas.microsoft.com/office/2006/metadata/contentType"/>
@@ -10736,4 +11063,22 @@
     <ds:schemaRef ds:uri="http://schemas.microsoft.com/internal/obd"/>
   </ds:schemaRefs>
 </ds:datastoreItem>
+</file>
+
+<file path=customXml/itemProps2.xml><?xml version="1.0" encoding="utf-8"?>
+<ds:datastoreItem xmlns:ds="http://schemas.openxmlformats.org/officeDocument/2006/customXml" ds:itemID="{927BD4C1-B6B1-4715-ABF9-E660A51A4EA0}">
+  <ds:schemaRefs>
+    <ds:schemaRef ds:uri="http://schemas.microsoft.com/sharepoint/v3/contenttype/forms"/>
+  </ds:schemaRefs>
+</ds:datastoreItem>
+</file>
+
+<file path=customXml/itemProps3.xml><?xml version="1.0" encoding="utf-8"?>
+<ds:datastoreItem xmlns:ds="http://schemas.openxmlformats.org/officeDocument/2006/customXml" ds:itemID="{8D289AE2-D2AE-49D1-AFAC-3A79F6794255}">
+  <ds:schemaRefs>
+    <ds:schemaRef ds:uri="http://schemas.microsoft.com/office/2006/metadata/properties"/>
+    <ds:schemaRef ds:uri="http://schemas.microsoft.com/office/infopath/2007/PartnerControls"/>
+    <ds:schemaRef ds:uri="71af3243-3dd4-4a8d-8c0d-dd76da1f02a5"/>
+  </ds:schemaRefs>
+</ds:datastoreItem>
 </file>
--- a/GAME OF CODES.pptx
+++ b/GAME OF CODES.pptx
@@ -115,7 +115,7 @@
   </p:defaultTextStyle>
   <p:extLst>
     <p:ext uri="{EFAFB233-063F-42B5-8137-9DF3F51BA10A}">
-      <p15:sldGuideLst xmlns:p15="http://schemas.microsoft.com/office/powerpoint/2012/main"/>
+      <p15:sldGuideLst xmlns="" xmlns:p15="http://schemas.microsoft.com/office/powerpoint/2012/main"/>
     </p:ext>
   </p:extLst>
 </p:presentation>
@@ -1279,6 +1279,13 @@
         </dgm:presLayoutVars>
       </dgm:prSet>
       <dgm:spPr/>
+      <dgm:t>
+        <a:bodyPr/>
+        <a:lstStyle/>
+        <a:p>
+          <a:endParaRPr lang="en-US"/>
+        </a:p>
+      </dgm:t>
     </dgm:pt>
     <dgm:pt modelId="{815EDF7B-AC93-4A61-87AA-CAA5D85C31A8}" type="pres">
       <dgm:prSet presAssocID="{8DB5D7D5-6A1C-4ABC-8850-759A9D876047}" presName="composite1" presStyleCnt="0"/>
@@ -1293,6 +1300,13 @@
         </dgm:presLayoutVars>
       </dgm:prSet>
       <dgm:spPr/>
+      <dgm:t>
+        <a:bodyPr/>
+        <a:lstStyle/>
+        <a:p>
+          <a:endParaRPr lang="en-US"/>
+        </a:p>
+      </dgm:t>
     </dgm:pt>
     <dgm:pt modelId="{5A1B764B-0DC5-47CD-BDEA-9E67799496EC}" type="pres">
       <dgm:prSet presAssocID="{8DB5D7D5-6A1C-4ABC-8850-759A9D876047}" presName="Childtext1" presStyleLbl="revTx" presStyleIdx="0" presStyleCnt="3">
@@ -1301,6 +1315,13 @@
         </dgm:presLayoutVars>
       </dgm:prSet>
       <dgm:spPr/>
+      <dgm:t>
+        <a:bodyPr/>
+        <a:lstStyle/>
+        <a:p>
+          <a:endParaRPr lang="en-US"/>
+        </a:p>
+      </dgm:t>
     </dgm:pt>
     <dgm:pt modelId="{122B38A3-0442-4747-820C-1F37877E2B0E}" type="pres">
       <dgm:prSet presAssocID="{8DB5D7D5-6A1C-4ABC-8850-759A9D876047}" presName="ConnectLine1" presStyleLbl="sibTrans1D1" presStyleIdx="0" presStyleCnt="3"/>
@@ -1345,6 +1366,13 @@
         </dgm:presLayoutVars>
       </dgm:prSet>
       <dgm:spPr/>
+      <dgm:t>
+        <a:bodyPr/>
+        <a:lstStyle/>
+        <a:p>
+          <a:endParaRPr lang="en-US"/>
+        </a:p>
+      </dgm:t>
     </dgm:pt>
     <dgm:pt modelId="{DF65791B-462E-4589-B98D-F60587330CA8}" type="pres">
       <dgm:prSet presAssocID="{C5146535-FD3D-4589-98A3-623B8DA4B8DB}" presName="Childtext1" presStyleLbl="revTx" presStyleIdx="1" presStyleCnt="3">
@@ -1353,6 +1381,13 @@
         </dgm:presLayoutVars>
       </dgm:prSet>
       <dgm:spPr/>
+      <dgm:t>
+        <a:bodyPr/>
+        <a:lstStyle/>
+        <a:p>
+          <a:endParaRPr lang="en-US"/>
+        </a:p>
+      </dgm:t>
     </dgm:pt>
     <dgm:pt modelId="{DBA410EB-5F61-4F46-92D9-C5B0AA59EE15}" type="pres">
       <dgm:prSet presAssocID="{C5146535-FD3D-4589-98A3-623B8DA4B8DB}" presName="ConnectLine1" presStyleLbl="sibTrans1D1" presStyleIdx="1" presStyleCnt="3"/>
@@ -1397,6 +1432,13 @@
         </dgm:presLayoutVars>
       </dgm:prSet>
       <dgm:spPr/>
+      <dgm:t>
+        <a:bodyPr/>
+        <a:lstStyle/>
+        <a:p>
+          <a:endParaRPr lang="en-US"/>
+        </a:p>
+      </dgm:t>
     </dgm:pt>
     <dgm:pt modelId="{B4723E2A-4FF1-452A-BD25-8EC364F15A6F}" type="pres">
       <dgm:prSet presAssocID="{09C152DA-7620-4852-8162-A77EC3609F3F}" presName="Childtext1" presStyleLbl="revTx" presStyleIdx="2" presStyleCnt="3">
@@ -1405,6 +1447,13 @@
         </dgm:presLayoutVars>
       </dgm:prSet>
       <dgm:spPr/>
+      <dgm:t>
+        <a:bodyPr/>
+        <a:lstStyle/>
+        <a:p>
+          <a:endParaRPr lang="en-US"/>
+        </a:p>
+      </dgm:t>
     </dgm:pt>
     <dgm:pt modelId="{440E9361-37D2-4157-AF38-7B49AD23708B}" type="pres">
       <dgm:prSet presAssocID="{09C152DA-7620-4852-8162-A77EC3609F3F}" presName="ConnectLine1" presStyleLbl="sibTrans1D1" presStyleIdx="2" presStyleCnt="3"/>
@@ -1434,19 +1483,19 @@
     </dgm:pt>
   </dgm:ptLst>
   <dgm:cxnLst>
+    <dgm:cxn modelId="{8EBF857E-7408-4941-91E4-293B0F59EEF7}" srcId="{6A70FD8F-0050-42E3-8B3A-6ED7CFB9852E}" destId="{C5146535-FD3D-4589-98A3-623B8DA4B8DB}" srcOrd="1" destOrd="0" parTransId="{20848F78-EC70-4162-96CE-CC68006930F0}" sibTransId="{7A3CCAF8-AC3A-401E-AEDD-44BBC1AA9C31}"/>
+    <dgm:cxn modelId="{F9B2D375-40BE-4E5D-AA88-61805FBFF819}" type="presOf" srcId="{8DB5D7D5-6A1C-4ABC-8850-759A9D876047}" destId="{954381E7-0584-46DD-8108-E9BF4F2B5005}" srcOrd="0" destOrd="0" presId="urn:microsoft.com/office/officeart/2016/7/layout/RoundedRectangleTimeline"/>
+    <dgm:cxn modelId="{C5202EE1-10E9-4076-9D55-9E0CF8B152AF}" srcId="{6A70FD8F-0050-42E3-8B3A-6ED7CFB9852E}" destId="{8DB5D7D5-6A1C-4ABC-8850-759A9D876047}" srcOrd="0" destOrd="0" parTransId="{D8874F40-D7B0-41DE-BB6F-A6014FEAB2D7}" sibTransId="{BD6E0A2E-99C8-4F5A-971A-CD211D1099FF}"/>
+    <dgm:cxn modelId="{E2BBA750-A5E4-4F50-BE16-016934379F81}" type="presOf" srcId="{6C8937BE-93F8-4DED-8538-1C601DAEBA66}" destId="{B4723E2A-4FF1-452A-BD25-8EC364F15A6F}" srcOrd="0" destOrd="0" presId="urn:microsoft.com/office/officeart/2016/7/layout/RoundedRectangleTimeline"/>
+    <dgm:cxn modelId="{FAA8D3DD-12E8-457D-9144-B037C5678347}" srcId="{09C152DA-7620-4852-8162-A77EC3609F3F}" destId="{6C8937BE-93F8-4DED-8538-1C601DAEBA66}" srcOrd="0" destOrd="0" parTransId="{77D169C6-D77F-456D-B18B-D7BE016AD87A}" sibTransId="{A97BE953-FA9D-4BA6-A92C-494DB1F3BA59}"/>
+    <dgm:cxn modelId="{E13585A2-54F2-486A-B317-F4D6AF7E83B9}" type="presOf" srcId="{E80CA270-6C90-4E17-ACEA-46B56AD54DD1}" destId="{DF65791B-462E-4589-B98D-F60587330CA8}" srcOrd="0" destOrd="0" presId="urn:microsoft.com/office/officeart/2016/7/layout/RoundedRectangleTimeline"/>
     <dgm:cxn modelId="{5C25BB02-FA66-40A4-9DA6-9E1CAE3A8D4E}" type="presOf" srcId="{C5146535-FD3D-4589-98A3-623B8DA4B8DB}" destId="{30804A27-188E-4A17-8FFE-97BCCA0597B8}" srcOrd="0" destOrd="0" presId="urn:microsoft.com/office/officeart/2016/7/layout/RoundedRectangleTimeline"/>
+    <dgm:cxn modelId="{23ECAC8B-17A4-4883-AA0E-06D66B7E788A}" srcId="{6A70FD8F-0050-42E3-8B3A-6ED7CFB9852E}" destId="{09C152DA-7620-4852-8162-A77EC3609F3F}" srcOrd="2" destOrd="0" parTransId="{9F6D14C0-6C82-4CBD-8D6D-B0E117B6F2ED}" sibTransId="{0AE8D36D-0F0F-4206-AE39-0A2D73987B68}"/>
+    <dgm:cxn modelId="{84C67813-55CE-4EBC-9032-03BD847DC17E}" type="presOf" srcId="{6A70FD8F-0050-42E3-8B3A-6ED7CFB9852E}" destId="{AB52B3CC-6563-466D-BFC3-9B6B5AFA0881}" srcOrd="0" destOrd="0" presId="urn:microsoft.com/office/officeart/2016/7/layout/RoundedRectangleTimeline"/>
+    <dgm:cxn modelId="{F9540599-A193-456C-A9A9-8962E3855B0B}" type="presOf" srcId="{96262926-A67D-4E4E-9515-5EBC67F0B634}" destId="{5A1B764B-0DC5-47CD-BDEA-9E67799496EC}" srcOrd="0" destOrd="0" presId="urn:microsoft.com/office/officeart/2016/7/layout/RoundedRectangleTimeline"/>
     <dgm:cxn modelId="{8C5B110A-FBC3-4CBF-BED2-413E87D4DAD5}" srcId="{8DB5D7D5-6A1C-4ABC-8850-759A9D876047}" destId="{96262926-A67D-4E4E-9515-5EBC67F0B634}" srcOrd="0" destOrd="0" parTransId="{EC74E552-C501-4B0E-9400-E8B410F53D50}" sibTransId="{1DA7ACEB-F642-43C1-BCB5-F580B9B985B9}"/>
-    <dgm:cxn modelId="{84C67813-55CE-4EBC-9032-03BD847DC17E}" type="presOf" srcId="{6A70FD8F-0050-42E3-8B3A-6ED7CFB9852E}" destId="{AB52B3CC-6563-466D-BFC3-9B6B5AFA0881}" srcOrd="0" destOrd="0" presId="urn:microsoft.com/office/officeart/2016/7/layout/RoundedRectangleTimeline"/>
+    <dgm:cxn modelId="{2DC28DF8-5C1B-4F53-A4C1-D5B63FB54BAF}" srcId="{C5146535-FD3D-4589-98A3-623B8DA4B8DB}" destId="{E80CA270-6C90-4E17-ACEA-46B56AD54DD1}" srcOrd="0" destOrd="0" parTransId="{7EEC8067-96EF-4BE0-8BE3-BA59ED78A31F}" sibTransId="{1AFE46E5-6B07-4894-8ECB-21BD7E7B8AF1}"/>
     <dgm:cxn modelId="{22ECA226-C4EA-44F1-BCB5-77F78841DA6F}" type="presOf" srcId="{09C152DA-7620-4852-8162-A77EC3609F3F}" destId="{566B79CB-1A41-4F5C-BF91-58D94BF93913}" srcOrd="0" destOrd="0" presId="urn:microsoft.com/office/officeart/2016/7/layout/RoundedRectangleTimeline"/>
-    <dgm:cxn modelId="{E2BBA750-A5E4-4F50-BE16-016934379F81}" type="presOf" srcId="{6C8937BE-93F8-4DED-8538-1C601DAEBA66}" destId="{B4723E2A-4FF1-452A-BD25-8EC364F15A6F}" srcOrd="0" destOrd="0" presId="urn:microsoft.com/office/officeart/2016/7/layout/RoundedRectangleTimeline"/>
-    <dgm:cxn modelId="{F9B2D375-40BE-4E5D-AA88-61805FBFF819}" type="presOf" srcId="{8DB5D7D5-6A1C-4ABC-8850-759A9D876047}" destId="{954381E7-0584-46DD-8108-E9BF4F2B5005}" srcOrd="0" destOrd="0" presId="urn:microsoft.com/office/officeart/2016/7/layout/RoundedRectangleTimeline"/>
-    <dgm:cxn modelId="{8EBF857E-7408-4941-91E4-293B0F59EEF7}" srcId="{6A70FD8F-0050-42E3-8B3A-6ED7CFB9852E}" destId="{C5146535-FD3D-4589-98A3-623B8DA4B8DB}" srcOrd="1" destOrd="0" parTransId="{20848F78-EC70-4162-96CE-CC68006930F0}" sibTransId="{7A3CCAF8-AC3A-401E-AEDD-44BBC1AA9C31}"/>
-    <dgm:cxn modelId="{23ECAC8B-17A4-4883-AA0E-06D66B7E788A}" srcId="{6A70FD8F-0050-42E3-8B3A-6ED7CFB9852E}" destId="{09C152DA-7620-4852-8162-A77EC3609F3F}" srcOrd="2" destOrd="0" parTransId="{9F6D14C0-6C82-4CBD-8D6D-B0E117B6F2ED}" sibTransId="{0AE8D36D-0F0F-4206-AE39-0A2D73987B68}"/>
-    <dgm:cxn modelId="{F9540599-A193-456C-A9A9-8962E3855B0B}" type="presOf" srcId="{96262926-A67D-4E4E-9515-5EBC67F0B634}" destId="{5A1B764B-0DC5-47CD-BDEA-9E67799496EC}" srcOrd="0" destOrd="0" presId="urn:microsoft.com/office/officeart/2016/7/layout/RoundedRectangleTimeline"/>
-    <dgm:cxn modelId="{E13585A2-54F2-486A-B317-F4D6AF7E83B9}" type="presOf" srcId="{E80CA270-6C90-4E17-ACEA-46B56AD54DD1}" destId="{DF65791B-462E-4589-B98D-F60587330CA8}" srcOrd="0" destOrd="0" presId="urn:microsoft.com/office/officeart/2016/7/layout/RoundedRectangleTimeline"/>
-    <dgm:cxn modelId="{FAA8D3DD-12E8-457D-9144-B037C5678347}" srcId="{09C152DA-7620-4852-8162-A77EC3609F3F}" destId="{6C8937BE-93F8-4DED-8538-1C601DAEBA66}" srcOrd="0" destOrd="0" parTransId="{77D169C6-D77F-456D-B18B-D7BE016AD87A}" sibTransId="{A97BE953-FA9D-4BA6-A92C-494DB1F3BA59}"/>
-    <dgm:cxn modelId="{C5202EE1-10E9-4076-9D55-9E0CF8B152AF}" srcId="{6A70FD8F-0050-42E3-8B3A-6ED7CFB9852E}" destId="{8DB5D7D5-6A1C-4ABC-8850-759A9D876047}" srcOrd="0" destOrd="0" parTransId="{D8874F40-D7B0-41DE-BB6F-A6014FEAB2D7}" sibTransId="{BD6E0A2E-99C8-4F5A-971A-CD211D1099FF}"/>
-    <dgm:cxn modelId="{2DC28DF8-5C1B-4F53-A4C1-D5B63FB54BAF}" srcId="{C5146535-FD3D-4589-98A3-623B8DA4B8DB}" destId="{E80CA270-6C90-4E17-ACEA-46B56AD54DD1}" srcOrd="0" destOrd="0" parTransId="{7EEC8067-96EF-4BE0-8BE3-BA59ED78A31F}" sibTransId="{1AFE46E5-6B07-4894-8ECB-21BD7E7B8AF1}"/>
     <dgm:cxn modelId="{76459B4A-BC95-4631-A3CC-1410E80D5DFD}" type="presParOf" srcId="{AB52B3CC-6563-466D-BFC3-9B6B5AFA0881}" destId="{815EDF7B-AC93-4A61-87AA-CAA5D85C31A8}" srcOrd="0" destOrd="0" presId="urn:microsoft.com/office/officeart/2016/7/layout/RoundedRectangleTimeline"/>
     <dgm:cxn modelId="{4238FA88-CE43-4680-BFB0-73DED5612698}" type="presParOf" srcId="{815EDF7B-AC93-4A61-87AA-CAA5D85C31A8}" destId="{954381E7-0584-46DD-8108-E9BF4F2B5005}" srcOrd="0" destOrd="0" presId="urn:microsoft.com/office/officeart/2016/7/layout/RoundedRectangleTimeline"/>
     <dgm:cxn modelId="{6497CE05-0893-4952-B18A-28D71D90B841}" type="presParOf" srcId="{815EDF7B-AC93-4A61-87AA-CAA5D85C31A8}" destId="{5A1B764B-0DC5-47CD-BDEA-9E67799496EC}" srcOrd="1" destOrd="0" presId="urn:microsoft.com/office/officeart/2016/7/layout/RoundedRectangleTimeline"/>
@@ -1540,7 +1589,7 @@
         </a:bodyPr>
         <a:lstStyle/>
         <a:p>
-          <a:pPr marL="0" lvl="0" indent="0" algn="ctr" defTabSz="488950">
+          <a:pPr lvl="0" algn="ctr" defTabSz="488950">
             <a:lnSpc>
               <a:spcPct val="90000"/>
             </a:lnSpc>
@@ -1550,7 +1599,6 @@
             <a:spcAft>
               <a:spcPct val="35000"/>
             </a:spcAft>
-            <a:buNone/>
           </a:pPr>
           <a:r>
             <a:rPr lang="en-US" sz="1100" kern="1200" dirty="0"/>
@@ -1600,7 +1648,7 @@
         </a:bodyPr>
         <a:lstStyle/>
         <a:p>
-          <a:pPr marL="0" lvl="0" indent="0" algn="ctr" defTabSz="488950">
+          <a:pPr lvl="0" algn="ctr" defTabSz="488950">
             <a:lnSpc>
               <a:spcPct val="90000"/>
             </a:lnSpc>
@@ -1610,7 +1658,6 @@
             <a:spcAft>
               <a:spcPct val="35000"/>
             </a:spcAft>
-            <a:buNone/>
           </a:pPr>
           <a:r>
             <a:rPr lang="en-US" sz="1100" kern="1200" dirty="0"/>
@@ -1766,7 +1813,7 @@
         </a:bodyPr>
         <a:lstStyle/>
         <a:p>
-          <a:pPr marL="0" lvl="0" indent="0" algn="ctr" defTabSz="488950">
+          <a:pPr lvl="0" algn="ctr" defTabSz="488950">
             <a:lnSpc>
               <a:spcPct val="90000"/>
             </a:lnSpc>
@@ -1776,7 +1823,6 @@
             <a:spcAft>
               <a:spcPct val="35000"/>
             </a:spcAft>
-            <a:buNone/>
           </a:pPr>
           <a:r>
             <a:rPr lang="en-US" sz="1100" kern="1200" dirty="0"/>
@@ -1826,7 +1872,7 @@
         </a:bodyPr>
         <a:lstStyle/>
         <a:p>
-          <a:pPr marL="0" lvl="0" indent="0" algn="ctr" defTabSz="488950">
+          <a:pPr lvl="0" algn="ctr" defTabSz="488950">
             <a:lnSpc>
               <a:spcPct val="90000"/>
             </a:lnSpc>
@@ -1836,7 +1882,6 @@
             <a:spcAft>
               <a:spcPct val="35000"/>
             </a:spcAft>
-            <a:buNone/>
           </a:pPr>
           <a:r>
             <a:rPr lang="en-US" sz="1100" kern="1200" dirty="0"/>
@@ -1992,7 +2037,7 @@
         </a:bodyPr>
         <a:lstStyle/>
         <a:p>
-          <a:pPr marL="0" lvl="0" indent="0" algn="ctr" defTabSz="488950">
+          <a:pPr lvl="0" algn="ctr" defTabSz="488950">
             <a:lnSpc>
               <a:spcPct val="90000"/>
             </a:lnSpc>
@@ -2002,7 +2047,6 @@
             <a:spcAft>
               <a:spcPct val="35000"/>
             </a:spcAft>
-            <a:buNone/>
           </a:pPr>
           <a:r>
             <a:rPr lang="en-US" sz="1100" kern="1200" dirty="0"/>
@@ -2052,7 +2096,7 @@
         </a:bodyPr>
         <a:lstStyle/>
         <a:p>
-          <a:pPr marL="0" lvl="0" indent="0" algn="ctr" defTabSz="488950">
+          <a:pPr lvl="0" algn="ctr" defTabSz="488950">
             <a:lnSpc>
               <a:spcPct val="90000"/>
             </a:lnSpc>
@@ -2062,7 +2106,6 @@
             <a:spcAft>
               <a:spcPct val="35000"/>
             </a:spcAft>
-            <a:buNone/>
           </a:pPr>
           <a:r>
             <a:rPr lang="en-US" sz="1100" kern="1200" dirty="0"/>
@@ -2494,7 +2537,7 @@
                 <dgm:adjLst/>
                 <dgm:extLst>
                   <a:ext uri="{B698B0E9-8C71-41B9-8309-B3DCBF30829C}">
-                    <dgm1612:spPr xmlns:dgm1612="http://schemas.microsoft.com/office/drawing/2016/12/diagram">
+                    <dgm1612:spPr xmlns="" xmlns:dgm1612="http://schemas.microsoft.com/office/drawing/2016/12/diagram">
                       <a:ln>
                         <a:prstDash val="dash"/>
                       </a:ln>
@@ -2705,7 +2748,7 @@
                 <dgm:adjLst/>
                 <dgm:extLst>
                   <a:ext uri="{B698B0E9-8C71-41B9-8309-B3DCBF30829C}">
-                    <dgm1612:spPr xmlns:dgm1612="http://schemas.microsoft.com/office/drawing/2016/12/diagram">
+                    <dgm1612:spPr xmlns="" xmlns:dgm1612="http://schemas.microsoft.com/office/drawing/2016/12/diagram">
                       <a:ln>
                         <a:prstDash val="dash"/>
                       </a:ln>
@@ -9317,7 +9360,7 @@
           <p:cNvPr id="2" name="Title 1">
             <a:extLst>
               <a:ext uri="{FF2B5EF4-FFF2-40B4-BE49-F238E27FC236}">
-                <a16:creationId xmlns:a16="http://schemas.microsoft.com/office/drawing/2014/main" id="{1C21E816-31F5-48BB-BD02-D15F2F18B48A}"/>
+                <a16:creationId xmlns="" xmlns:a16="http://schemas.microsoft.com/office/drawing/2014/main" id="{1C21E816-31F5-48BB-BD02-D15F2F18B48A}"/>
               </a:ext>
             </a:extLst>
           </p:cNvPr>
@@ -9330,7 +9373,7 @@
         </p:nvSpPr>
         <p:spPr>
           <a:xfrm>
-            <a:off x="1823869" y="107845"/>
+            <a:off x="1836932" y="0"/>
             <a:ext cx="9001462" cy="2387600"/>
           </a:xfrm>
         </p:spPr>
@@ -9352,7 +9395,7 @@
           <p:cNvPr id="3" name="Subtitle 2">
             <a:extLst>
               <a:ext uri="{FF2B5EF4-FFF2-40B4-BE49-F238E27FC236}">
-                <a16:creationId xmlns:a16="http://schemas.microsoft.com/office/drawing/2014/main" id="{835D6E6B-3353-491C-A3C6-F278D6CED8B3}"/>
+                <a16:creationId xmlns="" xmlns:a16="http://schemas.microsoft.com/office/drawing/2014/main" id="{835D6E6B-3353-491C-A3C6-F278D6CED8B3}"/>
               </a:ext>
             </a:extLst>
           </p:cNvPr>
@@ -9365,20 +9408,27 @@
         </p:nvSpPr>
         <p:spPr>
           <a:xfrm>
-            <a:off x="581194" y="2495445"/>
-            <a:ext cx="10993546" cy="468233"/>
+            <a:off x="7680959" y="169817"/>
+            <a:ext cx="4315097" cy="783772"/>
           </a:xfrm>
         </p:spPr>
         <p:txBody>
           <a:bodyPr>
-            <a:normAutofit lnSpcReduction="10000"/>
+            <a:normAutofit fontScale="70000" lnSpcReduction="20000"/>
           </a:bodyPr>
           <a:lstStyle/>
           <a:p>
             <a:r>
-              <a:rPr lang="en-US" dirty="0"/>
-              <a:t>BY CODERS, FOR CODERS</a:t>
-            </a:r>
+              <a:rPr lang="en-US" dirty="0" smtClean="0"/>
+              <a:t>ABHINANDAN SHARMA(2K19/MC/005)</a:t>
+            </a:r>
+          </a:p>
+          <a:p>
+            <a:r>
+              <a:rPr lang="en-US" dirty="0" smtClean="0"/>
+              <a:t>CHETAN(2K19/MC/034)</a:t>
+            </a:r>
+            <a:endParaRPr lang="en-US" dirty="0"/>
           </a:p>
         </p:txBody>
       </p:sp>
@@ -9387,7 +9437,7 @@
           <p:cNvPr id="6" name="Picture 5" descr="abstract image">
             <a:extLst>
               <a:ext uri="{FF2B5EF4-FFF2-40B4-BE49-F238E27FC236}">
-                <a16:creationId xmlns:a16="http://schemas.microsoft.com/office/drawing/2014/main" id="{F1A8C364-94D4-4630-BAD0-78722F347055}"/>
+                <a16:creationId xmlns="" xmlns:a16="http://schemas.microsoft.com/office/drawing/2014/main" id="{F1A8C364-94D4-4630-BAD0-78722F347055}"/>
               </a:ext>
             </a:extLst>
           </p:cNvPr>
@@ -9417,6 +9467,269 @@
           </a:prstGeom>
         </p:spPr>
       </p:pic>
+      <p:sp>
+        <p:nvSpPr>
+          <p:cNvPr id="5" name="Subtitle 2">
+            <a:extLst>
+              <a:ext uri="{FF2B5EF4-FFF2-40B4-BE49-F238E27FC236}">
+                <a16:creationId xmlns="" xmlns:a16="http://schemas.microsoft.com/office/drawing/2014/main" id="{835D6E6B-3353-491C-A3C6-F278D6CED8B3}"/>
+              </a:ext>
+            </a:extLst>
+          </p:cNvPr>
+          <p:cNvSpPr txBox="1">
+            <a:spLocks/>
+          </p:cNvSpPr>
+          <p:nvPr/>
+        </p:nvSpPr>
+        <p:spPr>
+          <a:xfrm>
+            <a:off x="733594" y="2517217"/>
+            <a:ext cx="10993546" cy="468233"/>
+          </a:xfrm>
+          <a:prstGeom prst="rect">
+            <a:avLst/>
+          </a:prstGeom>
+        </p:spPr>
+        <p:txBody>
+          <a:bodyPr vert="horz" lIns="91440" tIns="45720" rIns="91440" bIns="45720" rtlCol="0">
+            <a:normAutofit fontScale="92500" lnSpcReduction="10000"/>
+          </a:bodyPr>
+          <a:lstStyle>
+            <a:lvl1pPr marL="0" indent="0" algn="ctr" defTabSz="914400" rtl="0" eaLnBrk="1" latinLnBrk="0" hangingPunct="1">
+              <a:lnSpc>
+                <a:spcPct val="120000"/>
+              </a:lnSpc>
+              <a:spcBef>
+                <a:spcPts val="1000"/>
+              </a:spcBef>
+              <a:buFont typeface="Arial" panose="020B0604020202020204" pitchFamily="34" charset="0"/>
+              <a:buNone/>
+              <a:defRPr sz="2400" kern="1200">
+                <a:solidFill>
+                  <a:schemeClr val="tx1"/>
+                </a:solidFill>
+                <a:effectLst>
+                  <a:outerShdw blurRad="50800" dist="38100" dir="2700000" algn="tl" rotWithShape="0">
+                    <a:srgbClr val="000000">
+                      <a:alpha val="48000"/>
+                    </a:srgbClr>
+                  </a:outerShdw>
+                </a:effectLst>
+                <a:latin typeface="+mn-lt"/>
+                <a:ea typeface="+mn-ea"/>
+                <a:cs typeface="+mn-cs"/>
+              </a:defRPr>
+            </a:lvl1pPr>
+            <a:lvl2pPr marL="457200" indent="0" algn="ctr" defTabSz="914400" rtl="0" eaLnBrk="1" latinLnBrk="0" hangingPunct="1">
+              <a:lnSpc>
+                <a:spcPct val="120000"/>
+              </a:lnSpc>
+              <a:spcBef>
+                <a:spcPts val="500"/>
+              </a:spcBef>
+              <a:buFont typeface="Arial" panose="020B0604020202020204" pitchFamily="34" charset="0"/>
+              <a:buNone/>
+              <a:defRPr sz="2000" kern="1200">
+                <a:solidFill>
+                  <a:schemeClr val="tx1"/>
+                </a:solidFill>
+                <a:effectLst>
+                  <a:outerShdw blurRad="50800" dist="38100" dir="2700000" algn="tl" rotWithShape="0">
+                    <a:srgbClr val="000000">
+                      <a:alpha val="48000"/>
+                    </a:srgbClr>
+                  </a:outerShdw>
+                </a:effectLst>
+                <a:latin typeface="+mn-lt"/>
+                <a:ea typeface="+mn-ea"/>
+                <a:cs typeface="+mn-cs"/>
+              </a:defRPr>
+            </a:lvl2pPr>
+            <a:lvl3pPr marL="914400" indent="0" algn="ctr" defTabSz="914400" rtl="0" eaLnBrk="1" latinLnBrk="0" hangingPunct="1">
+              <a:lnSpc>
+                <a:spcPct val="120000"/>
+              </a:lnSpc>
+              <a:spcBef>
+                <a:spcPts val="500"/>
+              </a:spcBef>
+              <a:buFont typeface="Arial" panose="020B0604020202020204" pitchFamily="34" charset="0"/>
+              <a:buNone/>
+              <a:defRPr sz="1800" kern="1200">
+                <a:solidFill>
+                  <a:schemeClr val="tx1"/>
+                </a:solidFill>
+                <a:effectLst>
+                  <a:outerShdw blurRad="50800" dist="38100" dir="2700000" algn="tl" rotWithShape="0">
+                    <a:srgbClr val="000000">
+                      <a:alpha val="48000"/>
+                    </a:srgbClr>
+                  </a:outerShdw>
+                </a:effectLst>
+                <a:latin typeface="+mn-lt"/>
+                <a:ea typeface="+mn-ea"/>
+                <a:cs typeface="+mn-cs"/>
+              </a:defRPr>
+            </a:lvl3pPr>
+            <a:lvl4pPr marL="1371600" indent="0" algn="ctr" defTabSz="914400" rtl="0" eaLnBrk="1" latinLnBrk="0" hangingPunct="1">
+              <a:lnSpc>
+                <a:spcPct val="120000"/>
+              </a:lnSpc>
+              <a:spcBef>
+                <a:spcPts val="500"/>
+              </a:spcBef>
+              <a:buFont typeface="Arial" panose="020B0604020202020204" pitchFamily="34" charset="0"/>
+              <a:buNone/>
+              <a:defRPr sz="1600" kern="1200">
+                <a:solidFill>
+                  <a:schemeClr val="tx1"/>
+                </a:solidFill>
+                <a:effectLst>
+                  <a:outerShdw blurRad="50800" dist="38100" dir="2700000" algn="tl" rotWithShape="0">
+                    <a:srgbClr val="000000">
+                      <a:alpha val="48000"/>
+                    </a:srgbClr>
+                  </a:outerShdw>
+                </a:effectLst>
+                <a:latin typeface="+mn-lt"/>
+                <a:ea typeface="+mn-ea"/>
+                <a:cs typeface="+mn-cs"/>
+              </a:defRPr>
+            </a:lvl4pPr>
+            <a:lvl5pPr marL="1828800" indent="0" algn="ctr" defTabSz="914400" rtl="0" eaLnBrk="1" latinLnBrk="0" hangingPunct="1">
+              <a:lnSpc>
+                <a:spcPct val="120000"/>
+              </a:lnSpc>
+              <a:spcBef>
+                <a:spcPts val="500"/>
+              </a:spcBef>
+              <a:buFont typeface="Arial" panose="020B0604020202020204" pitchFamily="34" charset="0"/>
+              <a:buNone/>
+              <a:defRPr sz="1600" kern="1200">
+                <a:solidFill>
+                  <a:schemeClr val="tx1"/>
+                </a:solidFill>
+                <a:effectLst>
+                  <a:outerShdw blurRad="50800" dist="38100" dir="2700000" algn="tl" rotWithShape="0">
+                    <a:srgbClr val="000000">
+                      <a:alpha val="48000"/>
+                    </a:srgbClr>
+                  </a:outerShdw>
+                </a:effectLst>
+                <a:latin typeface="+mn-lt"/>
+                <a:ea typeface="+mn-ea"/>
+                <a:cs typeface="+mn-cs"/>
+              </a:defRPr>
+            </a:lvl5pPr>
+            <a:lvl6pPr marL="2286000" indent="0" algn="ctr" defTabSz="914400" rtl="0" eaLnBrk="1" latinLnBrk="0" hangingPunct="1">
+              <a:lnSpc>
+                <a:spcPct val="120000"/>
+              </a:lnSpc>
+              <a:spcBef>
+                <a:spcPts val="500"/>
+              </a:spcBef>
+              <a:buFont typeface="Arial" panose="020B0604020202020204" pitchFamily="34" charset="0"/>
+              <a:buNone/>
+              <a:defRPr sz="1600" kern="1200">
+                <a:solidFill>
+                  <a:schemeClr val="tx1"/>
+                </a:solidFill>
+                <a:effectLst>
+                  <a:outerShdw blurRad="50800" dist="38100" dir="2700000" algn="tl" rotWithShape="0">
+                    <a:srgbClr val="000000">
+                      <a:alpha val="48000"/>
+                    </a:srgbClr>
+                  </a:outerShdw>
+                </a:effectLst>
+                <a:latin typeface="+mn-lt"/>
+                <a:ea typeface="+mn-ea"/>
+                <a:cs typeface="+mn-cs"/>
+              </a:defRPr>
+            </a:lvl6pPr>
+            <a:lvl7pPr marL="2743200" indent="0" algn="ctr" defTabSz="914400" rtl="0" eaLnBrk="1" latinLnBrk="0" hangingPunct="1">
+              <a:lnSpc>
+                <a:spcPct val="120000"/>
+              </a:lnSpc>
+              <a:spcBef>
+                <a:spcPts val="500"/>
+              </a:spcBef>
+              <a:buFont typeface="Arial" panose="020B0604020202020204" pitchFamily="34" charset="0"/>
+              <a:buNone/>
+              <a:defRPr sz="1600" kern="1200">
+                <a:solidFill>
+                  <a:schemeClr val="tx1"/>
+                </a:solidFill>
+                <a:effectLst>
+                  <a:outerShdw blurRad="50800" dist="38100" dir="2700000" algn="tl" rotWithShape="0">
+                    <a:srgbClr val="000000">
+                      <a:alpha val="48000"/>
+                    </a:srgbClr>
+                  </a:outerShdw>
+                </a:effectLst>
+                <a:latin typeface="+mn-lt"/>
+                <a:ea typeface="+mn-ea"/>
+                <a:cs typeface="+mn-cs"/>
+              </a:defRPr>
+            </a:lvl7pPr>
+            <a:lvl8pPr marL="3200400" indent="0" algn="ctr" defTabSz="914400" rtl="0" eaLnBrk="1" latinLnBrk="0" hangingPunct="1">
+              <a:lnSpc>
+                <a:spcPct val="120000"/>
+              </a:lnSpc>
+              <a:spcBef>
+                <a:spcPts val="500"/>
+              </a:spcBef>
+              <a:buFont typeface="Arial" panose="020B0604020202020204" pitchFamily="34" charset="0"/>
+              <a:buNone/>
+              <a:defRPr sz="1600" kern="1200">
+                <a:solidFill>
+                  <a:schemeClr val="tx1"/>
+                </a:solidFill>
+                <a:effectLst>
+                  <a:outerShdw blurRad="50800" dist="38100" dir="2700000" algn="tl" rotWithShape="0">
+                    <a:srgbClr val="000000">
+                      <a:alpha val="48000"/>
+                    </a:srgbClr>
+                  </a:outerShdw>
+                </a:effectLst>
+                <a:latin typeface="+mn-lt"/>
+                <a:ea typeface="+mn-ea"/>
+                <a:cs typeface="+mn-cs"/>
+              </a:defRPr>
+            </a:lvl8pPr>
+            <a:lvl9pPr marL="3657600" indent="0" algn="ctr" defTabSz="914400" rtl="0" eaLnBrk="1" latinLnBrk="0" hangingPunct="1">
+              <a:lnSpc>
+                <a:spcPct val="120000"/>
+              </a:lnSpc>
+              <a:spcBef>
+                <a:spcPts val="500"/>
+              </a:spcBef>
+              <a:buFont typeface="Arial" panose="020B0604020202020204" pitchFamily="34" charset="0"/>
+              <a:buNone/>
+              <a:defRPr sz="1600" kern="1200">
+                <a:solidFill>
+                  <a:schemeClr val="tx1"/>
+                </a:solidFill>
+                <a:effectLst>
+                  <a:outerShdw blurRad="50800" dist="38100" dir="2700000" algn="tl" rotWithShape="0">
+                    <a:srgbClr val="000000">
+                      <a:alpha val="48000"/>
+                    </a:srgbClr>
+                  </a:outerShdw>
+                </a:effectLst>
+                <a:latin typeface="+mn-lt"/>
+                <a:ea typeface="+mn-ea"/>
+                <a:cs typeface="+mn-cs"/>
+              </a:defRPr>
+            </a:lvl9pPr>
+          </a:lstStyle>
+          <a:p>
+            <a:r>
+              <a:rPr lang="en-US" dirty="0" smtClean="0"/>
+              <a:t>BY CODERS, FOR CODERS</a:t>
+            </a:r>
+            <a:endParaRPr lang="en-US" dirty="0"/>
+          </a:p>
+        </p:txBody>
+      </p:sp>
     </p:spTree>
     <p:extLst>
       <p:ext uri="{BB962C8B-B14F-4D97-AF65-F5344CB8AC3E}">
@@ -9452,7 +9765,7 @@
           <p:cNvPr id="2" name="Title 1">
             <a:extLst>
               <a:ext uri="{FF2B5EF4-FFF2-40B4-BE49-F238E27FC236}">
-                <a16:creationId xmlns:a16="http://schemas.microsoft.com/office/drawing/2014/main" id="{5E562972-3449-42D1-8185-B4BEFD52AB44}"/>
+                <a16:creationId xmlns="" xmlns:a16="http://schemas.microsoft.com/office/drawing/2014/main" id="{5E562972-3449-42D1-8185-B4BEFD52AB44}"/>
               </a:ext>
             </a:extLst>
           </p:cNvPr>
@@ -9515,7 +9828,7 @@
           <p:cNvPr id="2" name="Title 1">
             <a:extLst>
               <a:ext uri="{FF2B5EF4-FFF2-40B4-BE49-F238E27FC236}">
-                <a16:creationId xmlns:a16="http://schemas.microsoft.com/office/drawing/2014/main" id="{5E562972-3449-42D1-8185-B4BEFD52AB44}"/>
+                <a16:creationId xmlns="" xmlns:a16="http://schemas.microsoft.com/office/drawing/2014/main" id="{5E562972-3449-42D1-8185-B4BEFD52AB44}"/>
               </a:ext>
             </a:extLst>
           </p:cNvPr>
@@ -9548,7 +9861,7 @@
           <p:cNvPr id="8" name="Content Placeholder 7">
             <a:extLst>
               <a:ext uri="{FF2B5EF4-FFF2-40B4-BE49-F238E27FC236}">
-                <a16:creationId xmlns:a16="http://schemas.microsoft.com/office/drawing/2014/main" id="{256A640F-0DE8-43AE-9A44-74B302AB9BE7}"/>
+                <a16:creationId xmlns="" xmlns:a16="http://schemas.microsoft.com/office/drawing/2014/main" id="{256A640F-0DE8-43AE-9A44-74B302AB9BE7}"/>
               </a:ext>
             </a:extLst>
           </p:cNvPr>
@@ -9623,7 +9936,7 @@
           <p:cNvPr id="2" name="Title 1">
             <a:extLst>
               <a:ext uri="{FF2B5EF4-FFF2-40B4-BE49-F238E27FC236}">
-                <a16:creationId xmlns:a16="http://schemas.microsoft.com/office/drawing/2014/main" id="{5E562972-3449-42D1-8185-B4BEFD52AB44}"/>
+                <a16:creationId xmlns="" xmlns:a16="http://schemas.microsoft.com/office/drawing/2014/main" id="{5E562972-3449-42D1-8185-B4BEFD52AB44}"/>
               </a:ext>
             </a:extLst>
           </p:cNvPr>
@@ -9659,7 +9972,7 @@
           <p:cNvPr id="4" name="Content Placeholder 2" descr="timeline">
             <a:extLst>
               <a:ext uri="{FF2B5EF4-FFF2-40B4-BE49-F238E27FC236}">
-                <a16:creationId xmlns:a16="http://schemas.microsoft.com/office/drawing/2014/main" id="{FF3F0D82-0AA6-45C3-8367-955CBFA02ED6}"/>
+                <a16:creationId xmlns="" xmlns:a16="http://schemas.microsoft.com/office/drawing/2014/main" id="{FF3F0D82-0AA6-45C3-8367-955CBFA02ED6}"/>
               </a:ext>
             </a:extLst>
           </p:cNvPr>
@@ -9720,7 +10033,7 @@
           <p:cNvPr id="2" name="Title 1">
             <a:extLst>
               <a:ext uri="{FF2B5EF4-FFF2-40B4-BE49-F238E27FC236}">
-                <a16:creationId xmlns:a16="http://schemas.microsoft.com/office/drawing/2014/main" id="{5E562972-3449-42D1-8185-B4BEFD52AB44}"/>
+                <a16:creationId xmlns="" xmlns:a16="http://schemas.microsoft.com/office/drawing/2014/main" id="{5E562972-3449-42D1-8185-B4BEFD52AB44}"/>
               </a:ext>
             </a:extLst>
           </p:cNvPr>
@@ -9753,7 +10066,7 @@
           <p:cNvPr id="8" name="Content Placeholder 7">
             <a:extLst>
               <a:ext uri="{FF2B5EF4-FFF2-40B4-BE49-F238E27FC236}">
-                <a16:creationId xmlns:a16="http://schemas.microsoft.com/office/drawing/2014/main" id="{256A640F-0DE8-43AE-9A44-74B302AB9BE7}"/>
+                <a16:creationId xmlns="" xmlns:a16="http://schemas.microsoft.com/office/drawing/2014/main" id="{256A640F-0DE8-43AE-9A44-74B302AB9BE7}"/>
               </a:ext>
             </a:extLst>
           </p:cNvPr>
@@ -9829,7 +10142,7 @@
           <p:cNvPr id="2" name="Title 1">
             <a:extLst>
               <a:ext uri="{FF2B5EF4-FFF2-40B4-BE49-F238E27FC236}">
-                <a16:creationId xmlns:a16="http://schemas.microsoft.com/office/drawing/2014/main" id="{5E562972-3449-42D1-8185-B4BEFD52AB44}"/>
+                <a16:creationId xmlns="" xmlns:a16="http://schemas.microsoft.com/office/drawing/2014/main" id="{5E562972-3449-42D1-8185-B4BEFD52AB44}"/>
               </a:ext>
             </a:extLst>
           </p:cNvPr>
@@ -9862,7 +10175,7 @@
           <p:cNvPr id="8" name="Content Placeholder 7">
             <a:extLst>
               <a:ext uri="{FF2B5EF4-FFF2-40B4-BE49-F238E27FC236}">
-                <a16:creationId xmlns:a16="http://schemas.microsoft.com/office/drawing/2014/main" id="{256A640F-0DE8-43AE-9A44-74B302AB9BE7}"/>
+                <a16:creationId xmlns="" xmlns:a16="http://schemas.microsoft.com/office/drawing/2014/main" id="{256A640F-0DE8-43AE-9A44-74B302AB9BE7}"/>
               </a:ext>
             </a:extLst>
           </p:cNvPr>
@@ -9933,7 +10246,7 @@
           <p:cNvPr id="2" name="Title 1">
             <a:extLst>
               <a:ext uri="{FF2B5EF4-FFF2-40B4-BE49-F238E27FC236}">
-                <a16:creationId xmlns:a16="http://schemas.microsoft.com/office/drawing/2014/main" id="{5E562972-3449-42D1-8185-B4BEFD52AB44}"/>
+                <a16:creationId xmlns="" xmlns:a16="http://schemas.microsoft.com/office/drawing/2014/main" id="{5E562972-3449-42D1-8185-B4BEFD52AB44}"/>
               </a:ext>
             </a:extLst>
           </p:cNvPr>
@@ -9966,7 +10279,7 @@
           <p:cNvPr id="8" name="Content Placeholder 7">
             <a:extLst>
               <a:ext uri="{FF2B5EF4-FFF2-40B4-BE49-F238E27FC236}">
-                <a16:creationId xmlns:a16="http://schemas.microsoft.com/office/drawing/2014/main" id="{256A640F-0DE8-43AE-9A44-74B302AB9BE7}"/>
+                <a16:creationId xmlns="" xmlns:a16="http://schemas.microsoft.com/office/drawing/2014/main" id="{256A640F-0DE8-43AE-9A44-74B302AB9BE7}"/>
               </a:ext>
             </a:extLst>
           </p:cNvPr>
@@ -9999,8 +10312,13 @@
             </a:pPr>
             <a:r>
               <a:rPr lang="en-US" dirty="0"/>
-              <a:t> HTML</a:t>
-            </a:r>
+              <a:t> </a:t>
+            </a:r>
+            <a:r>
+              <a:rPr lang="en-US" dirty="0" smtClean="0"/>
+              <a:t>HTML</a:t>
+            </a:r>
+            <a:endParaRPr lang="en-US" dirty="0"/>
           </a:p>
           <a:p>
             <a:pPr>
@@ -10071,6 +10389,443 @@
           </a:p>
         </p:txBody>
       </p:sp>
+      <p:sp>
+        <p:nvSpPr>
+          <p:cNvPr id="4" name="Rectangle 1"/>
+          <p:cNvSpPr>
+            <a:spLocks noChangeArrowheads="1"/>
+          </p:cNvSpPr>
+          <p:nvPr/>
+        </p:nvSpPr>
+        <p:spPr bwMode="auto">
+          <a:xfrm>
+            <a:off x="0" y="0"/>
+            <a:ext cx="12192000" cy="0"/>
+          </a:xfrm>
+          <a:prstGeom prst="rect">
+            <a:avLst/>
+          </a:prstGeom>
+          <a:noFill/>
+          <a:ln>
+            <a:noFill/>
+          </a:ln>
+          <a:effectLst/>
+          <a:extLst>
+            <a:ext uri="{909E8E84-426E-40DD-AFC4-6F175D3DCCD1}">
+              <a14:hiddenFill xmlns:a14="http://schemas.microsoft.com/office/drawing/2010/main">
+                <a:solidFill>
+                  <a:schemeClr val="accent1"/>
+                </a:solidFill>
+              </a14:hiddenFill>
+            </a:ext>
+            <a:ext uri="{91240B29-F687-4F45-9708-019B960494DF}">
+              <a14:hiddenLine xmlns:a14="http://schemas.microsoft.com/office/drawing/2010/main" w="9525">
+                <a:solidFill>
+                  <a:schemeClr val="tx1"/>
+                </a:solidFill>
+                <a:miter lim="800000"/>
+                <a:headEnd/>
+                <a:tailEnd/>
+              </a14:hiddenLine>
+            </a:ext>
+            <a:ext uri="{AF507438-7753-43E0-B8FC-AC1667EBCBE1}">
+              <a14:hiddenEffects xmlns:a14="http://schemas.microsoft.com/office/drawing/2010/main">
+                <a:effectLst>
+                  <a:outerShdw dist="35921" dir="2700000" algn="ctr" rotWithShape="0">
+                    <a:schemeClr val="bg2"/>
+                  </a:outerShdw>
+                </a:effectLst>
+              </a14:hiddenEffects>
+            </a:ext>
+          </a:extLst>
+        </p:spPr>
+        <p:txBody>
+          <a:bodyPr vert="horz" wrap="none" lIns="91440" tIns="45720" rIns="91440" bIns="45720" numCol="1" anchor="ctr" anchorCtr="0" compatLnSpc="1">
+            <a:prstTxWarp prst="textNoShape">
+              <a:avLst/>
+            </a:prstTxWarp>
+            <a:spAutoFit/>
+          </a:bodyPr>
+          <a:lstStyle/>
+          <a:p>
+            <a:pPr marL="0" marR="0" lvl="0" indent="0" algn="l" defTabSz="914400" rtl="0" eaLnBrk="1" fontAlgn="base" latinLnBrk="0" hangingPunct="1">
+              <a:lnSpc>
+                <a:spcPct val="100000"/>
+              </a:lnSpc>
+              <a:spcBef>
+                <a:spcPct val="0"/>
+              </a:spcBef>
+              <a:spcAft>
+                <a:spcPct val="0"/>
+              </a:spcAft>
+              <a:buClrTx/>
+              <a:buSzTx/>
+              <a:buFontTx/>
+              <a:buNone/>
+              <a:tabLst/>
+            </a:pPr>
+            <a:endParaRPr kumimoji="0" lang="en-US" sz="1800" b="0" i="0" u="none" strike="noStrike" cap="none" normalizeH="0" baseline="0" smtClean="0">
+              <a:ln>
+                <a:noFill/>
+              </a:ln>
+              <a:solidFill>
+                <a:schemeClr val="tx1"/>
+              </a:solidFill>
+              <a:effectLst/>
+              <a:latin typeface="Arial" charset="0"/>
+              <a:cs typeface="Arial" charset="0"/>
+            </a:endParaRPr>
+          </a:p>
+        </p:txBody>
+      </p:sp>
+      <p:sp>
+        <p:nvSpPr>
+          <p:cNvPr id="5" name="AutoShape 4" descr="Html5 - Free computer icons"/>
+          <p:cNvSpPr>
+            <a:spLocks noChangeAspect="1" noChangeArrowheads="1"/>
+          </p:cNvSpPr>
+          <p:nvPr/>
+        </p:nvSpPr>
+        <p:spPr bwMode="auto">
+          <a:xfrm>
+            <a:off x="155575" y="-144463"/>
+            <a:ext cx="304800" cy="304801"/>
+          </a:xfrm>
+          <a:prstGeom prst="rect">
+            <a:avLst/>
+          </a:prstGeom>
+          <a:noFill/>
+          <a:extLst>
+            <a:ext uri="{909E8E84-426E-40DD-AFC4-6F175D3DCCD1}">
+              <a14:hiddenFill xmlns:a14="http://schemas.microsoft.com/office/drawing/2010/main">
+                <a:solidFill>
+                  <a:srgbClr val="FFFFFF"/>
+                </a:solidFill>
+              </a14:hiddenFill>
+            </a:ext>
+          </a:extLst>
+        </p:spPr>
+        <p:txBody>
+          <a:bodyPr vert="horz" wrap="square" lIns="91440" tIns="45720" rIns="91440" bIns="45720" numCol="1" anchor="t" anchorCtr="0" compatLnSpc="1">
+            <a:prstTxWarp prst="textNoShape">
+              <a:avLst/>
+            </a:prstTxWarp>
+          </a:bodyPr>
+          <a:lstStyle/>
+          <a:p>
+            <a:endParaRPr lang="en-US"/>
+          </a:p>
+        </p:txBody>
+      </p:sp>
+      <p:sp>
+        <p:nvSpPr>
+          <p:cNvPr id="7" name="AutoShape 6" descr="Html5 - Free computer icons"/>
+          <p:cNvSpPr>
+            <a:spLocks noChangeAspect="1" noChangeArrowheads="1"/>
+          </p:cNvSpPr>
+          <p:nvPr/>
+        </p:nvSpPr>
+        <p:spPr bwMode="auto">
+          <a:xfrm>
+            <a:off x="307975" y="7937"/>
+            <a:ext cx="304800" cy="304801"/>
+          </a:xfrm>
+          <a:prstGeom prst="rect">
+            <a:avLst/>
+          </a:prstGeom>
+          <a:noFill/>
+          <a:extLst>
+            <a:ext uri="{909E8E84-426E-40DD-AFC4-6F175D3DCCD1}">
+              <a14:hiddenFill xmlns:a14="http://schemas.microsoft.com/office/drawing/2010/main">
+                <a:solidFill>
+                  <a:srgbClr val="FFFFFF"/>
+                </a:solidFill>
+              </a14:hiddenFill>
+            </a:ext>
+          </a:extLst>
+        </p:spPr>
+        <p:txBody>
+          <a:bodyPr vert="horz" wrap="square" lIns="91440" tIns="45720" rIns="91440" bIns="45720" numCol="1" anchor="t" anchorCtr="0" compatLnSpc="1">
+            <a:prstTxWarp prst="textNoShape">
+              <a:avLst/>
+            </a:prstTxWarp>
+          </a:bodyPr>
+          <a:lstStyle/>
+          <a:p>
+            <a:endParaRPr lang="en-US"/>
+          </a:p>
+        </p:txBody>
+      </p:sp>
+      <p:pic>
+        <p:nvPicPr>
+          <p:cNvPr id="1031" name="Picture 7" descr="D:\college_assignments_and_projects\projects\Projects-and-Reports-College-\1216733.png"/>
+          <p:cNvPicPr>
+            <a:picLocks noChangeAspect="1" noChangeArrowheads="1"/>
+          </p:cNvPicPr>
+          <p:nvPr/>
+        </p:nvPicPr>
+        <p:blipFill>
+          <a:blip r:embed="rId2">
+            <a:extLst>
+              <a:ext uri="{28A0092B-C50C-407E-A947-70E740481C1C}">
+                <a14:useLocalDpi xmlns:a14="http://schemas.microsoft.com/office/drawing/2010/main" val="0"/>
+              </a:ext>
+            </a:extLst>
+          </a:blip>
+          <a:srcRect/>
+          <a:stretch>
+            <a:fillRect/>
+          </a:stretch>
+        </p:blipFill>
+        <p:spPr bwMode="auto">
+          <a:xfrm>
+            <a:off x="6321245" y="2577023"/>
+            <a:ext cx="1210146" cy="1210146"/>
+          </a:xfrm>
+          <a:prstGeom prst="roundRect">
+            <a:avLst>
+              <a:gd name="adj" fmla="val 8594"/>
+            </a:avLst>
+          </a:prstGeom>
+          <a:solidFill>
+            <a:srgbClr val="FFFFFF">
+              <a:shade val="85000"/>
+            </a:srgbClr>
+          </a:solidFill>
+          <a:ln>
+            <a:noFill/>
+          </a:ln>
+          <a:effectLst>
+            <a:reflection blurRad="12700" stA="38000" endPos="28000" dist="5000" dir="5400000" sy="-100000" algn="bl" rotWithShape="0"/>
+          </a:effectLst>
+          <a:extLst/>
+        </p:spPr>
+      </p:pic>
+      <p:pic>
+        <p:nvPicPr>
+          <p:cNvPr id="1032" name="Picture 8" descr="D:\college_assignments_and_projects\projects\Projects-and-Reports-College-\Git_icon.svg.png"/>
+          <p:cNvPicPr>
+            <a:picLocks noChangeAspect="1" noChangeArrowheads="1"/>
+          </p:cNvPicPr>
+          <p:nvPr/>
+        </p:nvPicPr>
+        <p:blipFill>
+          <a:blip r:embed="rId3">
+            <a:extLst>
+              <a:ext uri="{28A0092B-C50C-407E-A947-70E740481C1C}">
+                <a14:useLocalDpi xmlns:a14="http://schemas.microsoft.com/office/drawing/2010/main" val="0"/>
+              </a:ext>
+            </a:extLst>
+          </a:blip>
+          <a:srcRect/>
+          <a:stretch>
+            <a:fillRect/>
+          </a:stretch>
+        </p:blipFill>
+        <p:spPr bwMode="auto">
+          <a:xfrm>
+            <a:off x="6323242" y="4442648"/>
+            <a:ext cx="1323205" cy="1323205"/>
+          </a:xfrm>
+          <a:prstGeom prst="roundRect">
+            <a:avLst>
+              <a:gd name="adj" fmla="val 8594"/>
+            </a:avLst>
+          </a:prstGeom>
+          <a:solidFill>
+            <a:srgbClr val="FFFFFF">
+              <a:shade val="85000"/>
+            </a:srgbClr>
+          </a:solidFill>
+          <a:ln>
+            <a:noFill/>
+          </a:ln>
+          <a:effectLst>
+            <a:reflection blurRad="12700" stA="38000" endPos="28000" dist="5000" dir="5400000" sy="-100000" algn="bl" rotWithShape="0"/>
+          </a:effectLst>
+          <a:extLst/>
+        </p:spPr>
+      </p:pic>
+      <p:pic>
+        <p:nvPicPr>
+          <p:cNvPr id="1033" name="Picture 9" descr="D:\college_assignments_and_projects\projects\Projects-and-Reports-College-\javascript.png"/>
+          <p:cNvPicPr>
+            <a:picLocks noChangeAspect="1" noChangeArrowheads="1"/>
+          </p:cNvPicPr>
+          <p:nvPr/>
+        </p:nvPicPr>
+        <p:blipFill>
+          <a:blip r:embed="rId4">
+            <a:extLst>
+              <a:ext uri="{28A0092B-C50C-407E-A947-70E740481C1C}">
+                <a14:useLocalDpi xmlns:a14="http://schemas.microsoft.com/office/drawing/2010/main" val="0"/>
+              </a:ext>
+            </a:extLst>
+          </a:blip>
+          <a:srcRect/>
+          <a:stretch>
+            <a:fillRect/>
+          </a:stretch>
+        </p:blipFill>
+        <p:spPr bwMode="auto">
+          <a:xfrm>
+            <a:off x="8224933" y="4442648"/>
+            <a:ext cx="1215434" cy="1215434"/>
+          </a:xfrm>
+          <a:prstGeom prst="roundRect">
+            <a:avLst>
+              <a:gd name="adj" fmla="val 8594"/>
+            </a:avLst>
+          </a:prstGeom>
+          <a:solidFill>
+            <a:srgbClr val="FFFFFF">
+              <a:shade val="85000"/>
+            </a:srgbClr>
+          </a:solidFill>
+          <a:ln>
+            <a:noFill/>
+          </a:ln>
+          <a:effectLst>
+            <a:reflection blurRad="12700" stA="38000" endPos="28000" dist="5000" dir="5400000" sy="-100000" algn="bl" rotWithShape="0"/>
+          </a:effectLst>
+          <a:extLst/>
+        </p:spPr>
+      </p:pic>
+      <p:pic>
+        <p:nvPicPr>
+          <p:cNvPr id="1034" name="Picture 10" descr="D:\college_assignments_and_projects\projects\Projects-and-Reports-College-\25231.png"/>
+          <p:cNvPicPr>
+            <a:picLocks noChangeAspect="1" noChangeArrowheads="1"/>
+          </p:cNvPicPr>
+          <p:nvPr/>
+        </p:nvPicPr>
+        <p:blipFill>
+          <a:blip r:embed="rId5">
+            <a:extLst>
+              <a:ext uri="{28A0092B-C50C-407E-A947-70E740481C1C}">
+                <a14:useLocalDpi xmlns:a14="http://schemas.microsoft.com/office/drawing/2010/main" val="0"/>
+              </a:ext>
+            </a:extLst>
+          </a:blip>
+          <a:srcRect/>
+          <a:stretch>
+            <a:fillRect/>
+          </a:stretch>
+        </p:blipFill>
+        <p:spPr bwMode="auto">
+          <a:xfrm>
+            <a:off x="8275635" y="2577023"/>
+            <a:ext cx="1114029" cy="1114029"/>
+          </a:xfrm>
+          <a:prstGeom prst="roundRect">
+            <a:avLst>
+              <a:gd name="adj" fmla="val 8594"/>
+            </a:avLst>
+          </a:prstGeom>
+          <a:solidFill>
+            <a:srgbClr val="FFFFFF">
+              <a:shade val="85000"/>
+            </a:srgbClr>
+          </a:solidFill>
+          <a:ln>
+            <a:noFill/>
+          </a:ln>
+          <a:effectLst>
+            <a:reflection blurRad="12700" stA="38000" endPos="28000" dist="5000" dir="5400000" sy="-100000" algn="bl" rotWithShape="0"/>
+          </a:effectLst>
+          <a:extLst/>
+        </p:spPr>
+      </p:pic>
+      <p:pic>
+        <p:nvPicPr>
+          <p:cNvPr id="1036" name="Picture 12" descr="D:\college_assignments_and_projects\projects\Projects-and-Reports-College-\css.png"/>
+          <p:cNvPicPr>
+            <a:picLocks noChangeAspect="1" noChangeArrowheads="1"/>
+          </p:cNvPicPr>
+          <p:nvPr/>
+        </p:nvPicPr>
+        <p:blipFill>
+          <a:blip r:embed="rId6">
+            <a:extLst>
+              <a:ext uri="{28A0092B-C50C-407E-A947-70E740481C1C}">
+                <a14:useLocalDpi xmlns:a14="http://schemas.microsoft.com/office/drawing/2010/main" val="0"/>
+              </a:ext>
+            </a:extLst>
+          </a:blip>
+          <a:srcRect/>
+          <a:stretch>
+            <a:fillRect/>
+          </a:stretch>
+        </p:blipFill>
+        <p:spPr bwMode="auto">
+          <a:xfrm>
+            <a:off x="9943085" y="4377582"/>
+            <a:ext cx="1345566" cy="1345566"/>
+          </a:xfrm>
+          <a:prstGeom prst="roundRect">
+            <a:avLst>
+              <a:gd name="adj" fmla="val 8594"/>
+            </a:avLst>
+          </a:prstGeom>
+          <a:solidFill>
+            <a:srgbClr val="FFFFFF">
+              <a:shade val="85000"/>
+            </a:srgbClr>
+          </a:solidFill>
+          <a:ln>
+            <a:noFill/>
+          </a:ln>
+          <a:effectLst>
+            <a:reflection blurRad="12700" stA="38000" endPos="28000" dist="5000" dir="5400000" sy="-100000" algn="bl" rotWithShape="0"/>
+          </a:effectLst>
+          <a:extLst/>
+        </p:spPr>
+      </p:pic>
+      <p:pic>
+        <p:nvPicPr>
+          <p:cNvPr id="1039" name="Picture 15" descr="D:\college_assignments_and_projects\projects\Projects-and-Reports-College-\firebase.png"/>
+          <p:cNvPicPr>
+            <a:picLocks noChangeAspect="1" noChangeArrowheads="1"/>
+          </p:cNvPicPr>
+          <p:nvPr/>
+        </p:nvPicPr>
+        <p:blipFill>
+          <a:blip r:embed="rId7">
+            <a:extLst>
+              <a:ext uri="{28A0092B-C50C-407E-A947-70E740481C1C}">
+                <a14:useLocalDpi xmlns:a14="http://schemas.microsoft.com/office/drawing/2010/main" val="0"/>
+              </a:ext>
+            </a:extLst>
+          </a:blip>
+          <a:srcRect/>
+          <a:stretch>
+            <a:fillRect/>
+          </a:stretch>
+        </p:blipFill>
+        <p:spPr bwMode="auto">
+          <a:xfrm>
+            <a:off x="10024621" y="2593493"/>
+            <a:ext cx="1081088" cy="1081088"/>
+          </a:xfrm>
+          <a:prstGeom prst="roundRect">
+            <a:avLst>
+              <a:gd name="adj" fmla="val 8594"/>
+            </a:avLst>
+          </a:prstGeom>
+          <a:solidFill>
+            <a:srgbClr val="FFFFFF">
+              <a:shade val="85000"/>
+            </a:srgbClr>
+          </a:solidFill>
+          <a:ln>
+            <a:noFill/>
+          </a:ln>
+          <a:effectLst>
+            <a:reflection blurRad="12700" stA="38000" endPos="28000" dist="5000" dir="5400000" sy="-100000" algn="bl" rotWithShape="0"/>
+          </a:effectLst>
+          <a:extLst/>
+        </p:spPr>
+      </p:pic>
     </p:spTree>
     <p:extLst>
       <p:ext uri="{BB962C8B-B14F-4D97-AF65-F5344CB8AC3E}">
@@ -10106,7 +10861,7 @@
           <p:cNvPr id="2" name="Title 1">
             <a:extLst>
               <a:ext uri="{FF2B5EF4-FFF2-40B4-BE49-F238E27FC236}">
-                <a16:creationId xmlns:a16="http://schemas.microsoft.com/office/drawing/2014/main" id="{5E562972-3449-42D1-8185-B4BEFD52AB44}"/>
+                <a16:creationId xmlns="" xmlns:a16="http://schemas.microsoft.com/office/drawing/2014/main" id="{5E562972-3449-42D1-8185-B4BEFD52AB44}"/>
               </a:ext>
             </a:extLst>
           </p:cNvPr>
@@ -10139,7 +10894,7 @@
           <p:cNvPr id="8" name="Content Placeholder 7">
             <a:extLst>
               <a:ext uri="{FF2B5EF4-FFF2-40B4-BE49-F238E27FC236}">
-                <a16:creationId xmlns:a16="http://schemas.microsoft.com/office/drawing/2014/main" id="{256A640F-0DE8-43AE-9A44-74B302AB9BE7}"/>
+                <a16:creationId xmlns="" xmlns:a16="http://schemas.microsoft.com/office/drawing/2014/main" id="{256A640F-0DE8-43AE-9A44-74B302AB9BE7}"/>
               </a:ext>
             </a:extLst>
           </p:cNvPr>
@@ -10152,8 +10907,8 @@
         </p:nvSpPr>
         <p:spPr>
           <a:xfrm>
-            <a:off x="913795" y="1326321"/>
-            <a:ext cx="6372830" cy="4464879"/>
+            <a:off x="913794" y="1293224"/>
+            <a:ext cx="9484239" cy="1867988"/>
           </a:xfrm>
         </p:spPr>
         <p:txBody>
@@ -10193,7 +10948,7 @@
           <p:cNvPr id="3" name="Picture 2">
             <a:extLst>
               <a:ext uri="{FF2B5EF4-FFF2-40B4-BE49-F238E27FC236}">
-                <a16:creationId xmlns:a16="http://schemas.microsoft.com/office/drawing/2014/main" id="{D3E9175D-36E2-4ECC-8D93-304B0ED8FC52}"/>
+                <a16:creationId xmlns="" xmlns:a16="http://schemas.microsoft.com/office/drawing/2014/main" id="{D3E9175D-36E2-4ECC-8D93-304B0ED8FC52}"/>
               </a:ext>
             </a:extLst>
           </p:cNvPr>
@@ -10210,12 +10965,76 @@
         </p:blipFill>
         <p:spPr>
           <a:xfrm>
-            <a:off x="7553324" y="1226321"/>
-            <a:ext cx="4333875" cy="2869886"/>
+            <a:off x="6968475" y="3268725"/>
+            <a:ext cx="4918725" cy="3257173"/>
           </a:xfrm>
           <a:prstGeom prst="rect">
             <a:avLst/>
           </a:prstGeom>
+        </p:spPr>
+      </p:pic>
+      <p:pic>
+        <p:nvPicPr>
+          <p:cNvPr id="2050" name="Picture 2"/>
+          <p:cNvPicPr>
+            <a:picLocks noChangeAspect="1" noChangeArrowheads="1"/>
+          </p:cNvPicPr>
+          <p:nvPr/>
+        </p:nvPicPr>
+        <p:blipFill>
+          <a:blip r:embed="rId3">
+            <a:extLst>
+              <a:ext uri="{28A0092B-C50C-407E-A947-70E740481C1C}">
+                <a14:useLocalDpi xmlns:a14="http://schemas.microsoft.com/office/drawing/2010/main" val="0"/>
+              </a:ext>
+            </a:extLst>
+          </a:blip>
+          <a:srcRect/>
+          <a:stretch>
+            <a:fillRect/>
+          </a:stretch>
+        </p:blipFill>
+        <p:spPr bwMode="auto">
+          <a:xfrm>
+            <a:off x="554764" y="3370217"/>
+            <a:ext cx="6105137" cy="2515511"/>
+          </a:xfrm>
+          <a:prstGeom prst="rect">
+            <a:avLst/>
+          </a:prstGeom>
+          <a:noFill/>
+          <a:ln>
+            <a:noFill/>
+          </a:ln>
+          <a:effectLst/>
+          <a:extLst>
+            <a:ext uri="{909E8E84-426E-40DD-AFC4-6F175D3DCCD1}">
+              <a14:hiddenFill xmlns:a14="http://schemas.microsoft.com/office/drawing/2010/main">
+                <a:solidFill>
+                  <a:schemeClr val="accent1"/>
+                </a:solidFill>
+              </a14:hiddenFill>
+            </a:ext>
+            <a:ext uri="{91240B29-F687-4F45-9708-019B960494DF}">
+              <a14:hiddenLine xmlns:a14="http://schemas.microsoft.com/office/drawing/2010/main" w="9525">
+                <a:solidFill>
+                  <a:schemeClr val="tx1"/>
+                </a:solidFill>
+                <a:miter lim="800000"/>
+                <a:headEnd/>
+                <a:tailEnd/>
+              </a14:hiddenLine>
+            </a:ext>
+            <a:ext uri="{AF507438-7753-43E0-B8FC-AC1667EBCBE1}">
+              <a14:hiddenEffects xmlns:a14="http://schemas.microsoft.com/office/drawing/2010/main">
+                <a:effectLst>
+                  <a:outerShdw dist="35921" dir="2700000" algn="ctr" rotWithShape="0">
+                    <a:schemeClr val="bg2"/>
+                  </a:outerShdw>
+                </a:effectLst>
+              </a14:hiddenEffects>
+            </a:ext>
+          </a:extLst>
         </p:spPr>
       </p:pic>
     </p:spTree>
@@ -10253,7 +11072,7 @@
           <p:cNvPr id="2" name="Title 1">
             <a:extLst>
               <a:ext uri="{FF2B5EF4-FFF2-40B4-BE49-F238E27FC236}">
-                <a16:creationId xmlns:a16="http://schemas.microsoft.com/office/drawing/2014/main" id="{5E562972-3449-42D1-8185-B4BEFD52AB44}"/>
+                <a16:creationId xmlns="" xmlns:a16="http://schemas.microsoft.com/office/drawing/2014/main" id="{5E562972-3449-42D1-8185-B4BEFD52AB44}"/>
               </a:ext>
             </a:extLst>
           </p:cNvPr>
@@ -10286,7 +11105,7 @@
           <p:cNvPr id="8" name="Content Placeholder 7">
             <a:extLst>
               <a:ext uri="{FF2B5EF4-FFF2-40B4-BE49-F238E27FC236}">
-                <a16:creationId xmlns:a16="http://schemas.microsoft.com/office/drawing/2014/main" id="{256A640F-0DE8-43AE-9A44-74B302AB9BE7}"/>
+                <a16:creationId xmlns="" xmlns:a16="http://schemas.microsoft.com/office/drawing/2014/main" id="{256A640F-0DE8-43AE-9A44-74B302AB9BE7}"/>
               </a:ext>
             </a:extLst>
           </p:cNvPr>
@@ -10373,7 +11192,7 @@
           <p:cNvPr id="2" name="Title 1">
             <a:extLst>
               <a:ext uri="{FF2B5EF4-FFF2-40B4-BE49-F238E27FC236}">
-                <a16:creationId xmlns:a16="http://schemas.microsoft.com/office/drawing/2014/main" id="{5E562972-3449-42D1-8185-B4BEFD52AB44}"/>
+                <a16:creationId xmlns="" xmlns:a16="http://schemas.microsoft.com/office/drawing/2014/main" id="{5E562972-3449-42D1-8185-B4BEFD52AB44}"/>
               </a:ext>
             </a:extLst>
           </p:cNvPr>
@@ -10406,7 +11225,7 @@
           <p:cNvPr id="8" name="Content Placeholder 7">
             <a:extLst>
               <a:ext uri="{FF2B5EF4-FFF2-40B4-BE49-F238E27FC236}">
-                <a16:creationId xmlns:a16="http://schemas.microsoft.com/office/drawing/2014/main" id="{256A640F-0DE8-43AE-9A44-74B302AB9BE7}"/>
+                <a16:creationId xmlns="" xmlns:a16="http://schemas.microsoft.com/office/drawing/2014/main" id="{256A640F-0DE8-43AE-9A44-74B302AB9BE7}"/>
               </a:ext>
             </a:extLst>
           </p:cNvPr>
@@ -10594,7 +11413,7 @@
     </a:clrScheme>
     <a:fontScheme name="Damask">
       <a:majorFont>
-        <a:latin typeface="Bookman Old Style" panose="02050604050505020204"/>
+        <a:latin typeface="Bookman Old Style"/>
         <a:ea typeface=""/>
         <a:cs typeface=""/>
         <a:font script="Jpan" typeface="ＭＳ Ｐゴシック"/>
@@ -10629,7 +11448,7 @@
         <a:font script="Geor" typeface="Sylfaen"/>
       </a:majorFont>
       <a:minorFont>
-        <a:latin typeface="Rockwell" panose="02060603020205020403"/>
+        <a:latin typeface="Rockwell"/>
         <a:ea typeface=""/>
         <a:cs typeface=""/>
         <a:font script="Jpan" typeface="ＭＳ Ｐゴシック"/>
@@ -10801,7 +11620,7 @@
   <a:extraClrSchemeLst/>
   <a:extLst>
     <a:ext uri="{05A4C25C-085E-4340-85A3-A5531E510DB2}">
-      <thm15:themeFamily xmlns:thm15="http://schemas.microsoft.com/office/thememl/2012/main" name="Damask" id="{F9A299A0-33D0-4E0F-9F3F-7163E3744208}" vid="{746EEEEA-FB6A-406B-B510-531588D54811}"/>
+      <thm15:themeFamily xmlns="" xmlns:thm15="http://schemas.microsoft.com/office/thememl/2012/main" name="Damask" id="{F9A299A0-33D0-4E0F-9F3F-7163E3744208}" vid="{746EEEEA-FB6A-406B-B510-531588D54811}"/>
     </a:ext>
   </a:extLst>
 </a:theme>
